--- a/Lab1/images/Graphs.pptx
+++ b/Lab1/images/Graphs.pptx
@@ -1764,18 +1764,14 @@
               </a:defRPr>
             </a:pPr>
             <a:r>
-              <a:rPr lang="en-CA" sz="1800" b="1"/>
+              <a:rPr lang="en-CA" sz="3600" b="1" dirty="0"/>
               <a:t>Thicknes</a:t>
             </a:r>
             <a:r>
-              <a:rPr lang="en-CA" sz="1800" b="1" baseline="0"/>
-              <a:t>s vs. </a:t>
+              <a:rPr lang="en-CA" sz="3600" b="1" baseline="0" dirty="0"/>
+              <a:t>s vs. Temperature</a:t>
             </a:r>
-            <a:r>
-              <a:rPr lang="en-CA" sz="1800" b="1" baseline="0" dirty="0"/>
-              <a:t>Temperature</a:t>
-            </a:r>
-            <a:endParaRPr lang="en-CA" sz="1800" b="1" dirty="0"/>
+            <a:endParaRPr lang="en-CA" sz="3600" b="1" dirty="0"/>
           </a:p>
         </c:rich>
       </c:tx>
@@ -2259,7 +2255,7 @@
               <a:lstStyle/>
               <a:p>
                 <a:pPr>
-                  <a:defRPr sz="1000" b="0" i="0" u="none" strike="noStrike" kern="1200" baseline="0">
+                  <a:defRPr sz="2000" b="0" i="0" u="none" strike="noStrike" kern="1200" baseline="0">
                     <a:solidFill>
                       <a:schemeClr val="tx1">
                         <a:lumMod val="65000"/>
@@ -2272,14 +2268,14 @@
                   </a:defRPr>
                 </a:pPr>
                 <a:r>
-                  <a:rPr lang="en-CA" b="1"/>
+                  <a:rPr lang="en-CA" sz="2000" b="1"/>
                   <a:t>Temperature (</a:t>
                 </a:r>
                 <a:r>
-                  <a:rPr lang="en-CA" sz="1000" b="1" i="0" u="none" strike="noStrike" baseline="0"/>
+                  <a:rPr lang="en-CA" sz="2000" b="1" i="0" u="none" strike="noStrike" baseline="0"/>
                   <a:t>°C)</a:t>
                 </a:r>
-                <a:endParaRPr lang="en-CA" b="1"/>
+                <a:endParaRPr lang="en-CA" sz="2000" b="1"/>
               </a:p>
             </c:rich>
           </c:tx>
@@ -2296,7 +2292,7 @@
             <a:lstStyle/>
             <a:p>
               <a:pPr>
-                <a:defRPr sz="1000" b="0" i="0" u="none" strike="noStrike" kern="1200" baseline="0">
+                <a:defRPr sz="2000" b="0" i="0" u="none" strike="noStrike" kern="1200" baseline="0">
                   <a:solidFill>
                     <a:schemeClr val="tx1">
                       <a:lumMod val="65000"/>
@@ -2334,7 +2330,7 @@
           <a:lstStyle/>
           <a:p>
             <a:pPr>
-              <a:defRPr sz="900" b="0" i="0" u="none" strike="noStrike" kern="1200" baseline="0">
+              <a:defRPr sz="2000" b="0" i="0" u="none" strike="noStrike" kern="1200" baseline="0">
                 <a:solidFill>
                   <a:schemeClr val="tx1">
                     <a:lumMod val="65000"/>
@@ -2378,7 +2374,7 @@
               <a:lstStyle/>
               <a:p>
                 <a:pPr>
-                  <a:defRPr sz="1000" b="0" i="0" u="none" strike="noStrike" kern="1200" baseline="0">
+                  <a:defRPr sz="2000" b="0" i="0" u="none" strike="noStrike" kern="1200" baseline="0">
                     <a:solidFill>
                       <a:schemeClr val="tx1">
                         <a:lumMod val="65000"/>
@@ -2391,14 +2387,14 @@
                   </a:defRPr>
                 </a:pPr>
                 <a:r>
-                  <a:rPr lang="en-CA" b="1"/>
+                  <a:rPr lang="en-CA" sz="2000" b="1"/>
                   <a:t>Thickness </a:t>
                 </a:r>
                 <a:r>
-                  <a:rPr lang="en-CA" sz="1000" b="1" i="0" u="none" strike="noStrike" baseline="0"/>
+                  <a:rPr lang="en-CA" sz="2000" b="1" i="0" u="none" strike="noStrike" baseline="0"/>
                   <a:t>(Å)</a:t>
                 </a:r>
-                <a:endParaRPr lang="en-CA" b="1"/>
+                <a:endParaRPr lang="en-CA" sz="2000" b="1"/>
               </a:p>
             </c:rich>
           </c:tx>
@@ -2415,7 +2411,7 @@
             <a:lstStyle/>
             <a:p>
               <a:pPr>
-                <a:defRPr sz="1000" b="0" i="0" u="none" strike="noStrike" kern="1200" baseline="0">
+                <a:defRPr sz="2000" b="0" i="0" u="none" strike="noStrike" kern="1200" baseline="0">
                   <a:solidFill>
                     <a:schemeClr val="tx1">
                       <a:lumMod val="65000"/>
@@ -2453,7 +2449,7 @@
           <a:lstStyle/>
           <a:p>
             <a:pPr>
-              <a:defRPr sz="900" b="0" i="0" u="none" strike="noStrike" kern="1200" baseline="0">
+              <a:defRPr sz="2000" b="0" i="0" u="none" strike="noStrike" kern="1200" baseline="0">
                 <a:solidFill>
                   <a:schemeClr val="tx1">
                     <a:lumMod val="65000"/>
@@ -6561,7 +6557,7 @@
           <p:nvPr>
             <p:extLst>
               <p:ext uri="{D42A27DB-BD31-4B8C-83A1-F6EECF244321}">
-                <p14:modId xmlns:p14="http://schemas.microsoft.com/office/powerpoint/2010/main" val="2813062238"/>
+                <p14:modId xmlns:p14="http://schemas.microsoft.com/office/powerpoint/2010/main" val="3921616577"/>
               </p:ext>
             </p:extLst>
           </p:nvPr>
